--- a/Symfony/Symfony-Bases-20220808.pptx
+++ b/Symfony/Symfony-Bases-20220808.pptx
@@ -268,7 +268,7 @@
           <a:p>
             <a:fld id="{550060B0-32FA-4918-B105-C3B81F3BD398}" type="datetimeFigureOut">
               <a:rPr lang="fr-FR" smtClean="0"/>
-              <a:t>11/08/2022</a:t>
+              <a:t>20/12/2022</a:t>
             </a:fld>
             <a:endParaRPr lang="fr-FR"/>
           </a:p>
@@ -530,7 +530,7 @@
           <a:p>
             <a:fld id="{A544AC79-F357-4775-9E92-5D8D23B7DF98}" type="datetimeFigureOut">
               <a:rPr lang="fr-FR" smtClean="0"/>
-              <a:t>11/08/2022</a:t>
+              <a:t>20/12/2022</a:t>
             </a:fld>
             <a:endParaRPr lang="fr-FR"/>
           </a:p>
@@ -969,7 +969,7 @@
           <a:p>
             <a:fld id="{9B35D067-CBD2-4947-80E0-30D39B2DC090}" type="datetime1">
               <a:rPr lang="fr-FR" smtClean="0"/>
-              <a:t>11/08/2022</a:t>
+              <a:t>20/12/2022</a:t>
             </a:fld>
             <a:endParaRPr lang="fr-FR"/>
           </a:p>
@@ -1281,7 +1281,7 @@
           <a:p>
             <a:fld id="{06A3139F-854D-4FE6-99DD-CB489410AD8F}" type="datetime1">
               <a:rPr lang="fr-FR" smtClean="0"/>
-              <a:t>11/08/2022</a:t>
+              <a:t>20/12/2022</a:t>
             </a:fld>
             <a:endParaRPr lang="fr-FR"/>
           </a:p>
@@ -1503,7 +1503,7 @@
           <a:p>
             <a:fld id="{EED2F0DC-3D15-4F6F-84AB-EC4082A55979}" type="datetime1">
               <a:rPr lang="fr-FR" smtClean="0"/>
-              <a:t>11/08/2022</a:t>
+              <a:t>20/12/2022</a:t>
             </a:fld>
             <a:endParaRPr lang="fr-FR"/>
           </a:p>
@@ -1794,7 +1794,7 @@
           <a:p>
             <a:fld id="{45BD590C-2158-452E-961B-3E1E8329CB24}" type="datetime1">
               <a:rPr lang="fr-FR" smtClean="0"/>
-              <a:t>11/08/2022</a:t>
+              <a:t>20/12/2022</a:t>
             </a:fld>
             <a:endParaRPr lang="fr-FR"/>
           </a:p>
@@ -2248,7 +2248,7 @@
           <a:p>
             <a:fld id="{726A6E5A-31EB-42CD-8A63-5F1D53FBC470}" type="datetime1">
               <a:rPr lang="fr-FR" smtClean="0"/>
-              <a:t>11/08/2022</a:t>
+              <a:t>20/12/2022</a:t>
             </a:fld>
             <a:endParaRPr lang="fr-FR"/>
           </a:p>
@@ -2824,7 +2824,7 @@
           <a:p>
             <a:fld id="{7A9C50E2-81A0-4702-8017-6C72B8512F01}" type="datetime1">
               <a:rPr lang="fr-FR" smtClean="0"/>
-              <a:t>11/08/2022</a:t>
+              <a:t>20/12/2022</a:t>
             </a:fld>
             <a:endParaRPr lang="fr-FR"/>
           </a:p>
@@ -3676,7 +3676,7 @@
           <a:p>
             <a:fld id="{6D27B479-876E-437A-964B-978423E76298}" type="datetime1">
               <a:rPr lang="fr-FR" smtClean="0"/>
-              <a:t>11/08/2022</a:t>
+              <a:t>20/12/2022</a:t>
             </a:fld>
             <a:endParaRPr lang="fr-FR"/>
           </a:p>
@@ -3881,7 +3881,7 @@
           <a:p>
             <a:fld id="{C423AB70-0F5C-45FE-88C4-25B4BA57329D}" type="datetime1">
               <a:rPr lang="fr-FR" smtClean="0"/>
-              <a:t>11/08/2022</a:t>
+              <a:t>20/12/2022</a:t>
             </a:fld>
             <a:endParaRPr lang="fr-FR"/>
           </a:p>
@@ -4095,7 +4095,7 @@
           <a:p>
             <a:fld id="{315A4CA8-35F7-42C4-9ADC-5F44C1AACF89}" type="datetime1">
               <a:rPr lang="fr-FR" smtClean="0"/>
-              <a:t>11/08/2022</a:t>
+              <a:t>20/12/2022</a:t>
             </a:fld>
             <a:endParaRPr lang="fr-FR"/>
           </a:p>
@@ -4300,7 +4300,7 @@
           <a:p>
             <a:fld id="{AF4EA936-AAC8-48BA-8B10-32A5DCD211FC}" type="datetime1">
               <a:rPr lang="fr-FR" smtClean="0"/>
-              <a:t>11/08/2022</a:t>
+              <a:t>20/12/2022</a:t>
             </a:fld>
             <a:endParaRPr lang="fr-FR"/>
           </a:p>
@@ -4580,7 +4580,7 @@
           <a:p>
             <a:fld id="{86173185-31E5-4171-AE07-15DA09155188}" type="datetime1">
               <a:rPr lang="fr-FR" smtClean="0"/>
-              <a:t>11/08/2022</a:t>
+              <a:t>20/12/2022</a:t>
             </a:fld>
             <a:endParaRPr lang="fr-FR"/>
           </a:p>
@@ -4847,7 +4847,7 @@
           <a:p>
             <a:fld id="{E5CD96CD-97A5-4E25-BD3B-5C9379240131}" type="datetime1">
               <a:rPr lang="fr-FR" smtClean="0"/>
-              <a:t>11/08/2022</a:t>
+              <a:t>20/12/2022</a:t>
             </a:fld>
             <a:endParaRPr lang="fr-FR"/>
           </a:p>
@@ -5262,7 +5262,7 @@
           <a:p>
             <a:fld id="{0503623F-6F4A-410D-91D5-BAA3C75C9E07}" type="datetime1">
               <a:rPr lang="fr-FR" smtClean="0"/>
-              <a:t>11/08/2022</a:t>
+              <a:t>20/12/2022</a:t>
             </a:fld>
             <a:endParaRPr lang="fr-FR"/>
           </a:p>
@@ -5410,7 +5410,7 @@
           <a:p>
             <a:fld id="{CF8807A0-BD37-4435-A229-7FDA7DDAC310}" type="datetime1">
               <a:rPr lang="fr-FR" smtClean="0"/>
-              <a:t>11/08/2022</a:t>
+              <a:t>20/12/2022</a:t>
             </a:fld>
             <a:endParaRPr lang="fr-FR"/>
           </a:p>
@@ -5535,7 +5535,7 @@
           <a:p>
             <a:fld id="{BE60F396-152D-463E-93BC-AD29434579DB}" type="datetime1">
               <a:rPr lang="fr-FR" smtClean="0"/>
-              <a:t>11/08/2022</a:t>
+              <a:t>20/12/2022</a:t>
             </a:fld>
             <a:endParaRPr lang="fr-FR"/>
           </a:p>
@@ -5814,7 +5814,7 @@
           <a:p>
             <a:fld id="{DFB1FA05-3657-462B-BCF3-68393ED91A27}" type="datetime1">
               <a:rPr lang="fr-FR" smtClean="0"/>
-              <a:t>11/08/2022</a:t>
+              <a:t>20/12/2022</a:t>
             </a:fld>
             <a:endParaRPr lang="fr-FR"/>
           </a:p>
@@ -6126,7 +6126,7 @@
           <a:p>
             <a:fld id="{C3B0526B-C609-4D71-9CFA-BEB151D8AFC6}" type="datetime1">
               <a:rPr lang="fr-FR" smtClean="0"/>
-              <a:t>11/08/2022</a:t>
+              <a:t>20/12/2022</a:t>
             </a:fld>
             <a:endParaRPr lang="fr-FR"/>
           </a:p>
@@ -6397,7 +6397,7 @@
           <a:p>
             <a:fld id="{81BBAE3C-7010-4F3E-914F-95C8349AD238}" type="datetime1">
               <a:rPr lang="fr-FR" smtClean="0"/>
-              <a:t>11/08/2022</a:t>
+              <a:t>20/12/2022</a:t>
             </a:fld>
             <a:endParaRPr lang="fr-FR"/>
           </a:p>
@@ -7079,36 +7079,6 @@
           </a:p>
         </p:txBody>
       </p:sp>
-      <p:pic>
-        <p:nvPicPr>
-          <p:cNvPr id="8" name="Image 7">
-            <a:extLst>
-              <a:ext uri="{FF2B5EF4-FFF2-40B4-BE49-F238E27FC236}">
-                <a16:creationId xmlns:a16="http://schemas.microsoft.com/office/drawing/2014/main" id="{7EFF1B74-30A2-45A5-8289-0C2415A7ACB4}"/>
-              </a:ext>
-            </a:extLst>
-          </p:cNvPr>
-          <p:cNvPicPr>
-            <a:picLocks noChangeAspect="1"/>
-          </p:cNvPicPr>
-          <p:nvPr/>
-        </p:nvPicPr>
-        <p:blipFill>
-          <a:blip r:embed="rId2"/>
-          <a:stretch>
-            <a:fillRect/>
-          </a:stretch>
-        </p:blipFill>
-        <p:spPr>
-          <a:xfrm>
-            <a:off x="5611137" y="2883506"/>
-            <a:ext cx="6438900" cy="2895600"/>
-          </a:xfrm>
-          <a:prstGeom prst="rect">
-            <a:avLst/>
-          </a:prstGeom>
-        </p:spPr>
-      </p:pic>
       <p:sp>
         <p:nvSpPr>
           <p:cNvPr id="9" name="ZoneTexte 8">
@@ -7255,6 +7225,36 @@
           </a:p>
         </p:txBody>
       </p:sp>
+      <p:pic>
+        <p:nvPicPr>
+          <p:cNvPr id="4" name="Image 3">
+            <a:extLst>
+              <a:ext uri="{FF2B5EF4-FFF2-40B4-BE49-F238E27FC236}">
+                <a16:creationId xmlns:a16="http://schemas.microsoft.com/office/drawing/2014/main" id="{F592F194-7764-8B4A-A360-6E30E5798563}"/>
+              </a:ext>
+            </a:extLst>
+          </p:cNvPr>
+          <p:cNvPicPr>
+            <a:picLocks noChangeAspect="1"/>
+          </p:cNvPicPr>
+          <p:nvPr/>
+        </p:nvPicPr>
+        <p:blipFill>
+          <a:blip r:embed="rId2"/>
+          <a:stretch>
+            <a:fillRect/>
+          </a:stretch>
+        </p:blipFill>
+        <p:spPr>
+          <a:xfrm>
+            <a:off x="5649003" y="3358415"/>
+            <a:ext cx="6262489" cy="2026099"/>
+          </a:xfrm>
+          <a:prstGeom prst="rect">
+            <a:avLst/>
+          </a:prstGeom>
+        </p:spPr>
+      </p:pic>
     </p:spTree>
     <p:extLst>
       <p:ext uri="{BB962C8B-B14F-4D97-AF65-F5344CB8AC3E}">
@@ -7463,10 +7463,10 @@
       </p:sp>
       <p:pic>
         <p:nvPicPr>
-          <p:cNvPr id="4" name="Image 3">
+          <p:cNvPr id="5" name="Image 4">
             <a:extLst>
               <a:ext uri="{FF2B5EF4-FFF2-40B4-BE49-F238E27FC236}">
-                <a16:creationId xmlns:a16="http://schemas.microsoft.com/office/drawing/2014/main" id="{B6861E90-F09D-4012-988C-3D025B8F8720}"/>
+                <a16:creationId xmlns:a16="http://schemas.microsoft.com/office/drawing/2014/main" id="{BFEC9EC2-5FB4-1290-B376-F664E1DA7E56}"/>
               </a:ext>
             </a:extLst>
           </p:cNvPr>
@@ -7483,8 +7483,8 @@
         </p:blipFill>
         <p:spPr>
           <a:xfrm>
-            <a:off x="5367140" y="2534561"/>
-            <a:ext cx="6410325" cy="3248025"/>
+            <a:off x="5331988" y="2847059"/>
+            <a:ext cx="6477904" cy="2410161"/>
           </a:xfrm>
           <a:prstGeom prst="rect">
             <a:avLst/>
@@ -9935,7 +9935,7 @@
         </p:nvSpPr>
         <p:spPr>
           <a:xfrm>
-            <a:off x="6460551" y="1083464"/>
+            <a:off x="6208882" y="219398"/>
             <a:ext cx="5731449" cy="1603868"/>
           </a:xfrm>
         </p:spPr>
@@ -9957,7 +9957,7 @@
                 <a:ea typeface="+mj-ea"/>
                 <a:cs typeface="+mj-cs"/>
               </a:rPr>
-              <a:t>Qu’est-ce</a:t>
+              <a:t>C’est</a:t>
             </a:r>
             <a:r>
               <a:rPr lang="en-US" sz="5400" b="1" i="1" kern="1200" cap="all" dirty="0">
@@ -9971,7 +9971,7 @@
                 <a:ea typeface="+mj-ea"/>
                 <a:cs typeface="+mj-cs"/>
               </a:rPr>
-              <a:t> qu</a:t>
+              <a:t> quoi </a:t>
             </a:r>
             <a:r>
               <a:rPr lang="en-US" sz="5400" b="1" i="1" dirty="0">
@@ -9982,7 +9982,7 @@
                   </a:schemeClr>
                 </a:solidFill>
               </a:rPr>
-              <a:t>e Symfony</a:t>
+              <a:t>Symfony</a:t>
             </a:r>
             <a:endParaRPr lang="fr-FR" sz="5400" b="1" i="1" dirty="0">
               <a:solidFill>
@@ -10596,10 +10596,10 @@
       </p:sp>
       <p:pic>
         <p:nvPicPr>
-          <p:cNvPr id="5" name="Image 4">
+          <p:cNvPr id="6" name="Image 5">
             <a:extLst>
               <a:ext uri="{FF2B5EF4-FFF2-40B4-BE49-F238E27FC236}">
-                <a16:creationId xmlns:a16="http://schemas.microsoft.com/office/drawing/2014/main" id="{594D0800-4781-4452-AFCA-CB509123B139}"/>
+                <a16:creationId xmlns:a16="http://schemas.microsoft.com/office/drawing/2014/main" id="{97219925-274D-D2EC-55A9-D3B3C693A954}"/>
               </a:ext>
             </a:extLst>
           </p:cNvPr>
@@ -10616,8 +10616,8 @@
         </p:blipFill>
         <p:spPr>
           <a:xfrm>
-            <a:off x="2177814" y="4091552"/>
-            <a:ext cx="7836372" cy="2583885"/>
+            <a:off x="2202774" y="4210424"/>
+            <a:ext cx="7786451" cy="2126300"/>
           </a:xfrm>
           <a:prstGeom prst="rect">
             <a:avLst/>
@@ -11174,8 +11174,8 @@
               <a:t>	J’avais créé la relation en provenance de </a:t>
             </a:r>
             <a:r>
-              <a:rPr lang="fr-FR" dirty="0" err="1"/>
-              <a:t>Student</a:t>
+              <a:rPr lang="fr-FR" b="1" dirty="0" err="1"/>
+              <a:t>Account</a:t>
             </a:r>
             <a:r>
               <a:rPr lang="fr-FR" dirty="0"/>
@@ -11190,20 +11190,44 @@
               <a:t> : un </a:t>
             </a:r>
             <a:r>
-              <a:rPr lang="fr-FR" dirty="0" err="1"/>
-              <a:t>Student</a:t>
-            </a:r>
-            <a:r>
-              <a:rPr lang="fr-FR" dirty="0"/>
-              <a:t> a plusieurs Grade, un Grade appartient à un </a:t>
-            </a:r>
-            <a:r>
-              <a:rPr lang="fr-FR" dirty="0" err="1"/>
-              <a:t>Student</a:t>
-            </a:r>
-            <a:r>
-              <a:rPr lang="fr-FR" dirty="0"/>
-              <a:t>. Du coup dans l’entité Grade, ça sera l’inverse :</a:t>
+              <a:rPr lang="fr-FR" b="1" dirty="0" err="1"/>
+              <a:t>Account</a:t>
+            </a:r>
+            <a:r>
+              <a:rPr lang="fr-FR" dirty="0"/>
+              <a:t> a plusieurs </a:t>
+            </a:r>
+            <a:r>
+              <a:rPr lang="fr-FR" b="1" dirty="0"/>
+              <a:t>Comment</a:t>
+            </a:r>
+            <a:r>
+              <a:rPr lang="fr-FR" dirty="0"/>
+              <a:t>, un </a:t>
+            </a:r>
+            <a:r>
+              <a:rPr lang="fr-FR" b="1" dirty="0"/>
+              <a:t>Comment</a:t>
+            </a:r>
+            <a:r>
+              <a:rPr lang="fr-FR" dirty="0"/>
+              <a:t> appartient à un </a:t>
+            </a:r>
+            <a:r>
+              <a:rPr lang="fr-FR" b="1" dirty="0" err="1"/>
+              <a:t>Account</a:t>
+            </a:r>
+            <a:r>
+              <a:rPr lang="fr-FR" dirty="0"/>
+              <a:t>. Du coup dans l’entité </a:t>
+            </a:r>
+            <a:r>
+              <a:rPr lang="fr-FR" b="1" dirty="0"/>
+              <a:t>Comment</a:t>
+            </a:r>
+            <a:r>
+              <a:rPr lang="fr-FR" dirty="0"/>
+              <a:t>, ça sera l’inverse :</a:t>
             </a:r>
           </a:p>
           <a:p>
@@ -11211,66 +11235,6 @@
           </a:p>
         </p:txBody>
       </p:sp>
-      <p:pic>
-        <p:nvPicPr>
-          <p:cNvPr id="15" name="Image 14">
-            <a:extLst>
-              <a:ext uri="{FF2B5EF4-FFF2-40B4-BE49-F238E27FC236}">
-                <a16:creationId xmlns:a16="http://schemas.microsoft.com/office/drawing/2014/main" id="{FB5B1F7C-88AC-4566-A547-01CBC7DF7DA4}"/>
-              </a:ext>
-            </a:extLst>
-          </p:cNvPr>
-          <p:cNvPicPr>
-            <a:picLocks noChangeAspect="1"/>
-          </p:cNvPicPr>
-          <p:nvPr/>
-        </p:nvPicPr>
-        <p:blipFill>
-          <a:blip r:embed="rId2"/>
-          <a:stretch>
-            <a:fillRect/>
-          </a:stretch>
-        </p:blipFill>
-        <p:spPr>
-          <a:xfrm>
-            <a:off x="1764183" y="3238768"/>
-            <a:ext cx="7591425" cy="1647539"/>
-          </a:xfrm>
-          <a:prstGeom prst="rect">
-            <a:avLst/>
-          </a:prstGeom>
-        </p:spPr>
-      </p:pic>
-      <p:pic>
-        <p:nvPicPr>
-          <p:cNvPr id="3" name="Image 2">
-            <a:extLst>
-              <a:ext uri="{FF2B5EF4-FFF2-40B4-BE49-F238E27FC236}">
-                <a16:creationId xmlns:a16="http://schemas.microsoft.com/office/drawing/2014/main" id="{86D66979-D443-4E69-81A2-08A210EE0BB7}"/>
-              </a:ext>
-            </a:extLst>
-          </p:cNvPr>
-          <p:cNvPicPr>
-            <a:picLocks noChangeAspect="1"/>
-          </p:cNvPicPr>
-          <p:nvPr/>
-        </p:nvPicPr>
-        <p:blipFill>
-          <a:blip r:embed="rId3"/>
-          <a:stretch>
-            <a:fillRect/>
-          </a:stretch>
-        </p:blipFill>
-        <p:spPr>
-          <a:xfrm>
-            <a:off x="1764183" y="4876938"/>
-            <a:ext cx="7591425" cy="1419225"/>
-          </a:xfrm>
-          <a:prstGeom prst="rect">
-            <a:avLst/>
-          </a:prstGeom>
-        </p:spPr>
-      </p:pic>
       <p:sp>
         <p:nvSpPr>
           <p:cNvPr id="2" name="ZoneTexte 1">
@@ -11286,7 +11250,7 @@
         <p:spPr>
           <a:xfrm>
             <a:off x="370701" y="3755900"/>
-            <a:ext cx="869149" cy="2031325"/>
+            <a:ext cx="1026243" cy="2031325"/>
           </a:xfrm>
           <a:prstGeom prst="rect">
             <a:avLst/>
@@ -11300,9 +11264,10 @@
           <a:lstStyle/>
           <a:p>
             <a:r>
-              <a:rPr lang="fr-FR" dirty="0"/>
-              <a:t>Grade</a:t>
-            </a:r>
+              <a:rPr lang="fr-FR" dirty="0" err="1"/>
+              <a:t>Account</a:t>
+            </a:r>
+            <a:endParaRPr lang="fr-FR" dirty="0"/>
           </a:p>
           <a:p>
             <a:endParaRPr lang="fr-FR" dirty="0"/>
@@ -11321,10 +11286,9 @@
               <a:rPr lang="fr-FR" dirty="0"/>
             </a:br>
             <a:r>
-              <a:rPr lang="fr-FR" dirty="0" err="1"/>
-              <a:t>Student</a:t>
-            </a:r>
-            <a:endParaRPr lang="fr-FR" dirty="0"/>
+              <a:rPr lang="fr-FR" dirty="0"/>
+              <a:t>Comment</a:t>
+            </a:r>
           </a:p>
         </p:txBody>
       </p:sp>
@@ -11406,6 +11370,66 @@
           </a:fontRef>
         </p:style>
       </p:cxnSp>
+      <p:pic>
+        <p:nvPicPr>
+          <p:cNvPr id="10" name="Image 9">
+            <a:extLst>
+              <a:ext uri="{FF2B5EF4-FFF2-40B4-BE49-F238E27FC236}">
+                <a16:creationId xmlns:a16="http://schemas.microsoft.com/office/drawing/2014/main" id="{E23CDF38-8FBA-EAF4-0C27-08A1AEB9DC89}"/>
+              </a:ext>
+            </a:extLst>
+          </p:cNvPr>
+          <p:cNvPicPr>
+            <a:picLocks noChangeAspect="1"/>
+          </p:cNvPicPr>
+          <p:nvPr/>
+        </p:nvPicPr>
+        <p:blipFill>
+          <a:blip r:embed="rId2"/>
+          <a:stretch>
+            <a:fillRect/>
+          </a:stretch>
+        </p:blipFill>
+        <p:spPr>
+          <a:xfrm>
+            <a:off x="1999446" y="3748608"/>
+            <a:ext cx="7563906" cy="667115"/>
+          </a:xfrm>
+          <a:prstGeom prst="rect">
+            <a:avLst/>
+          </a:prstGeom>
+        </p:spPr>
+      </p:pic>
+      <p:pic>
+        <p:nvPicPr>
+          <p:cNvPr id="12" name="Image 11">
+            <a:extLst>
+              <a:ext uri="{FF2B5EF4-FFF2-40B4-BE49-F238E27FC236}">
+                <a16:creationId xmlns:a16="http://schemas.microsoft.com/office/drawing/2014/main" id="{2F7B8D34-A5A5-DFA0-8FAA-CCB71DBF06FF}"/>
+              </a:ext>
+            </a:extLst>
+          </p:cNvPr>
+          <p:cNvPicPr>
+            <a:picLocks noChangeAspect="1"/>
+          </p:cNvPicPr>
+          <p:nvPr/>
+        </p:nvPicPr>
+        <p:blipFill>
+          <a:blip r:embed="rId3"/>
+          <a:stretch>
+            <a:fillRect/>
+          </a:stretch>
+        </p:blipFill>
+        <p:spPr>
+          <a:xfrm>
+            <a:off x="2039059" y="4982699"/>
+            <a:ext cx="7563906" cy="1028844"/>
+          </a:xfrm>
+          <a:prstGeom prst="rect">
+            <a:avLst/>
+          </a:prstGeom>
+        </p:spPr>
+      </p:pic>
     </p:spTree>
     <p:extLst>
       <p:ext uri="{BB962C8B-B14F-4D97-AF65-F5344CB8AC3E}">
@@ -14182,12 +14206,69 @@
           </a:p>
         </p:txBody>
       </p:sp>
+      <p:sp>
+        <p:nvSpPr>
+          <p:cNvPr id="6" name="ZoneTexte 5">
+            <a:extLst>
+              <a:ext uri="{FF2B5EF4-FFF2-40B4-BE49-F238E27FC236}">
+                <a16:creationId xmlns:a16="http://schemas.microsoft.com/office/drawing/2014/main" id="{223F65F7-EAC4-4DBC-9151-8CE6D7E412C9}"/>
+              </a:ext>
+            </a:extLst>
+          </p:cNvPr>
+          <p:cNvSpPr txBox="1"/>
+          <p:nvPr/>
+        </p:nvSpPr>
+        <p:spPr>
+          <a:xfrm>
+            <a:off x="652374" y="3414436"/>
+            <a:ext cx="3872002" cy="1754326"/>
+          </a:xfrm>
+          <a:prstGeom prst="rect">
+            <a:avLst/>
+          </a:prstGeom>
+          <a:noFill/>
+        </p:spPr>
+        <p:txBody>
+          <a:bodyPr wrap="square" rtlCol="0">
+            <a:spAutoFit/>
+          </a:bodyPr>
+          <a:lstStyle/>
+          <a:p>
+            <a:r>
+              <a:rPr lang="fr-FR" dirty="0"/>
+              <a:t>Il suffit de d’appeler la fonction « </a:t>
+            </a:r>
+            <a:r>
+              <a:rPr lang="fr-FR" b="1" dirty="0" err="1"/>
+              <a:t>get</a:t>
+            </a:r>
+            <a:r>
+              <a:rPr lang="fr-FR" dirty="0"/>
+              <a:t> », depuis l’objet </a:t>
+            </a:r>
+            <a:r>
+              <a:rPr lang="fr-FR" dirty="0" err="1"/>
+              <a:t>request</a:t>
+            </a:r>
+            <a:r>
+              <a:rPr lang="fr-FR" dirty="0"/>
+              <a:t> avec en paramètre de la fonction, le nom du paramètre dans la route (celui entre accolades).</a:t>
+            </a:r>
+          </a:p>
+          <a:p>
+            <a:r>
+              <a:rPr lang="fr-FR" dirty="0"/>
+              <a:t>Ici il s’agit de « email »</a:t>
+            </a:r>
+          </a:p>
+        </p:txBody>
+      </p:sp>
       <p:pic>
         <p:nvPicPr>
-          <p:cNvPr id="5" name="Image 4">
+          <p:cNvPr id="3" name="Image 2">
             <a:extLst>
               <a:ext uri="{FF2B5EF4-FFF2-40B4-BE49-F238E27FC236}">
-                <a16:creationId xmlns:a16="http://schemas.microsoft.com/office/drawing/2014/main" id="{F2CDE296-8721-4DD9-BD8C-037B0EC0CD2D}"/>
+                <a16:creationId xmlns:a16="http://schemas.microsoft.com/office/drawing/2014/main" id="{0DE61C6A-A8BA-2235-B376-84759E7C0CD7}"/>
               </a:ext>
             </a:extLst>
           </p:cNvPr>
@@ -14204,71 +14285,14 @@
         </p:blipFill>
         <p:spPr>
           <a:xfrm>
-            <a:off x="5085524" y="3124407"/>
-            <a:ext cx="6724368" cy="3244442"/>
+            <a:off x="4524376" y="3193552"/>
+            <a:ext cx="7475476" cy="2392999"/>
           </a:xfrm>
           <a:prstGeom prst="rect">
             <a:avLst/>
           </a:prstGeom>
         </p:spPr>
       </p:pic>
-      <p:sp>
-        <p:nvSpPr>
-          <p:cNvPr id="6" name="ZoneTexte 5">
-            <a:extLst>
-              <a:ext uri="{FF2B5EF4-FFF2-40B4-BE49-F238E27FC236}">
-                <a16:creationId xmlns:a16="http://schemas.microsoft.com/office/drawing/2014/main" id="{223F65F7-EAC4-4DBC-9151-8CE6D7E412C9}"/>
-              </a:ext>
-            </a:extLst>
-          </p:cNvPr>
-          <p:cNvSpPr txBox="1"/>
-          <p:nvPr/>
-        </p:nvSpPr>
-        <p:spPr>
-          <a:xfrm>
-            <a:off x="652373" y="3414436"/>
-            <a:ext cx="4269823" cy="1477328"/>
-          </a:xfrm>
-          <a:prstGeom prst="rect">
-            <a:avLst/>
-          </a:prstGeom>
-          <a:noFill/>
-        </p:spPr>
-        <p:txBody>
-          <a:bodyPr wrap="square" rtlCol="0">
-            <a:spAutoFit/>
-          </a:bodyPr>
-          <a:lstStyle/>
-          <a:p>
-            <a:r>
-              <a:rPr lang="fr-FR" dirty="0"/>
-              <a:t>Il suffit de d’appeler la fonction « </a:t>
-            </a:r>
-            <a:r>
-              <a:rPr lang="fr-FR" b="1" dirty="0" err="1"/>
-              <a:t>get</a:t>
-            </a:r>
-            <a:r>
-              <a:rPr lang="fr-FR" dirty="0"/>
-              <a:t> », depuis l’objet </a:t>
-            </a:r>
-            <a:r>
-              <a:rPr lang="fr-FR" dirty="0" err="1"/>
-              <a:t>request</a:t>
-            </a:r>
-            <a:r>
-              <a:rPr lang="fr-FR" dirty="0"/>
-              <a:t> avec en paramètre de la fonction, le nom du paramètre dans la route (celui entre accolades).</a:t>
-            </a:r>
-          </a:p>
-          <a:p>
-            <a:r>
-              <a:rPr lang="fr-FR" dirty="0"/>
-              <a:t>Ici il s’agit de « email »</a:t>
-            </a:r>
-          </a:p>
-        </p:txBody>
-      </p:sp>
     </p:spTree>
     <p:extLst>
       <p:ext uri="{BB962C8B-B14F-4D97-AF65-F5344CB8AC3E}">
@@ -14462,7 +14486,7 @@
         </p:nvSpPr>
         <p:spPr>
           <a:xfrm>
-            <a:off x="652373" y="3414436"/>
+            <a:off x="652373" y="4074074"/>
             <a:ext cx="4269823" cy="646331"/>
           </a:xfrm>
           <a:prstGeom prst="rect">
@@ -14517,10 +14541,10 @@
       </p:sp>
       <p:pic>
         <p:nvPicPr>
-          <p:cNvPr id="3" name="Image 2">
+          <p:cNvPr id="4" name="Image 3">
             <a:extLst>
               <a:ext uri="{FF2B5EF4-FFF2-40B4-BE49-F238E27FC236}">
-                <a16:creationId xmlns:a16="http://schemas.microsoft.com/office/drawing/2014/main" id="{8DD5D2B8-A43B-449C-9482-3F5C64CB950E}"/>
+                <a16:creationId xmlns:a16="http://schemas.microsoft.com/office/drawing/2014/main" id="{D9103BFF-2837-D634-8F57-C162B697B416}"/>
               </a:ext>
             </a:extLst>
           </p:cNvPr>
@@ -14537,8 +14561,8 @@
         </p:blipFill>
         <p:spPr>
           <a:xfrm>
-            <a:off x="5045855" y="3020411"/>
-            <a:ext cx="6764037" cy="3244378"/>
+            <a:off x="4119098" y="3496862"/>
+            <a:ext cx="7497764" cy="2370538"/>
           </a:xfrm>
           <a:prstGeom prst="rect">
             <a:avLst/>
@@ -14696,7 +14720,7 @@
         <p:spPr>
           <a:xfrm>
             <a:off x="652373" y="2374080"/>
-            <a:ext cx="10887254" cy="4247317"/>
+            <a:ext cx="10887254" cy="4524315"/>
           </a:xfrm>
           <a:prstGeom prst="rect">
             <a:avLst/>
@@ -14765,14 +14789,21 @@
             </a:br>
             <a:r>
               <a:rPr lang="fr-FR" dirty="0"/>
-              <a:t>Si vous regardez le profiler Symfony, vous</a:t>
+              <a:t>Si vous regardez le profiler Symfony, </a:t>
             </a:r>
             <a:br>
               <a:rPr lang="fr-FR" dirty="0"/>
             </a:br>
             <a:r>
               <a:rPr lang="fr-FR" dirty="0"/>
-              <a:t>verrez qu’il y a une requête SQL qui est passé</a:t>
+              <a:t>vous verrez qu’il y a une requête SQL</a:t>
+            </a:r>
+            <a:br>
+              <a:rPr lang="fr-FR" dirty="0"/>
+            </a:br>
+            <a:r>
+              <a:rPr lang="fr-FR" dirty="0"/>
+              <a:t>qui est passée :</a:t>
             </a:r>
             <a:br>
               <a:rPr lang="fr-FR" dirty="0"/>
@@ -14857,10 +14888,10 @@
       </p:sp>
       <p:pic>
         <p:nvPicPr>
-          <p:cNvPr id="3" name="Image 2">
+          <p:cNvPr id="4" name="Image 3">
             <a:extLst>
               <a:ext uri="{FF2B5EF4-FFF2-40B4-BE49-F238E27FC236}">
-                <a16:creationId xmlns:a16="http://schemas.microsoft.com/office/drawing/2014/main" id="{7D94EE06-D438-4CE3-9B61-A0B4ED0AA0DB}"/>
+                <a16:creationId xmlns:a16="http://schemas.microsoft.com/office/drawing/2014/main" id="{74551BFC-4B35-E0E6-A502-D26D06FD11D2}"/>
               </a:ext>
             </a:extLst>
           </p:cNvPr>
@@ -14877,8 +14908,8 @@
         </p:blipFill>
         <p:spPr>
           <a:xfrm>
-            <a:off x="4958218" y="3020411"/>
-            <a:ext cx="6851674" cy="3309085"/>
+            <a:off x="4290547" y="3347381"/>
+            <a:ext cx="6857681" cy="2148544"/>
           </a:xfrm>
           <a:prstGeom prst="rect">
             <a:avLst/>
@@ -15051,7 +15082,15 @@
             </a:br>
             <a:r>
               <a:rPr lang="fr-FR" dirty="0"/>
-              <a:t>PHP version minimum : 7.4</a:t>
+              <a:t>PHP version minimum : 7.4 (</a:t>
+            </a:r>
+            <a:r>
+              <a:rPr lang="fr-FR" b="1" dirty="0"/>
+              <a:t>nous allons utiliser du 8.0 minimum</a:t>
+            </a:r>
+            <a:r>
+              <a:rPr lang="fr-FR" dirty="0"/>
+              <a:t>)</a:t>
             </a:r>
             <a:br>
               <a:rPr lang="fr-FR" dirty="0"/>
@@ -15131,7 +15170,7 @@
         </p:blipFill>
         <p:spPr bwMode="auto">
           <a:xfrm>
-            <a:off x="4341784" y="2441249"/>
+            <a:off x="6699090" y="2550306"/>
             <a:ext cx="3508431" cy="2631324"/>
           </a:xfrm>
           <a:prstGeom prst="rect">
